--- a/Best Digital Marketing Company in Coimbatore.pptx
+++ b/Best Digital Marketing Company in Coimbatore.pptx
@@ -7,10 +7,11 @@
   <p:sldIdLst>
     <p:sldId id="257" r:id="rId2"/>
     <p:sldId id="258" r:id="rId3"/>
-    <p:sldId id="259" r:id="rId4"/>
-    <p:sldId id="260" r:id="rId5"/>
-    <p:sldId id="261" r:id="rId6"/>
-    <p:sldId id="262" r:id="rId7"/>
+    <p:sldId id="260" r:id="rId4"/>
+    <p:sldId id="261" r:id="rId5"/>
+    <p:sldId id="262" r:id="rId6"/>
+    <p:sldId id="263" r:id="rId7"/>
+    <p:sldId id="264" r:id="rId8"/>
   </p:sldIdLst>
   <p:sldSz cx="9144000" cy="6858000" type="screen4x3"/>
   <p:notesSz cx="6858000" cy="9144000"/>
@@ -291,9 +292,9 @@
           <a:bodyPr/>
           <a:lstStyle/>
           <a:p>
-            <a:fld id="{EBA87EE3-F7DD-44AC-AB42-9CD66E97FB29}" type="datetimeFigureOut">
-              <a:rPr lang="en-US" smtClean="0"/>
-              <a:t>11/21/2018</a:t>
+            <a:fld id="{BD28BDFC-2FD9-4824-842E-E57E5AA7B1F5}" type="datetimeFigureOut">
+              <a:rPr lang="en-US" smtClean="0"/>
+              <a:t>12/21/2018</a:t>
             </a:fld>
             <a:endParaRPr lang="en-US"/>
           </a:p>
@@ -333,7 +334,7 @@
           <a:bodyPr/>
           <a:lstStyle/>
           <a:p>
-            <a:fld id="{9A2AC8D9-99D0-4717-8AC7-4601741106D2}" type="slidenum">
+            <a:fld id="{74702C19-4DE7-4EB9-B73C-C863DCB64DC9}" type="slidenum">
               <a:rPr lang="en-US" smtClean="0"/>
               <a:t>‹#›</a:t>
             </a:fld>
@@ -344,7 +345,7 @@
     </p:spTree>
     <p:extLst>
       <p:ext uri="{BB962C8B-B14F-4D97-AF65-F5344CB8AC3E}">
-        <p14:creationId xmlns:p14="http://schemas.microsoft.com/office/powerpoint/2010/main" val="3969552209"/>
+        <p14:creationId xmlns:p14="http://schemas.microsoft.com/office/powerpoint/2010/main" val="3466654504"/>
       </p:ext>
     </p:extLst>
   </p:cSld>
@@ -461,9 +462,9 @@
           <a:bodyPr/>
           <a:lstStyle/>
           <a:p>
-            <a:fld id="{EBA87EE3-F7DD-44AC-AB42-9CD66E97FB29}" type="datetimeFigureOut">
-              <a:rPr lang="en-US" smtClean="0"/>
-              <a:t>11/21/2018</a:t>
+            <a:fld id="{BD28BDFC-2FD9-4824-842E-E57E5AA7B1F5}" type="datetimeFigureOut">
+              <a:rPr lang="en-US" smtClean="0"/>
+              <a:t>12/21/2018</a:t>
             </a:fld>
             <a:endParaRPr lang="en-US"/>
           </a:p>
@@ -503,7 +504,7 @@
           <a:bodyPr/>
           <a:lstStyle/>
           <a:p>
-            <a:fld id="{9A2AC8D9-99D0-4717-8AC7-4601741106D2}" type="slidenum">
+            <a:fld id="{74702C19-4DE7-4EB9-B73C-C863DCB64DC9}" type="slidenum">
               <a:rPr lang="en-US" smtClean="0"/>
               <a:t>‹#›</a:t>
             </a:fld>
@@ -514,7 +515,7 @@
     </p:spTree>
     <p:extLst>
       <p:ext uri="{BB962C8B-B14F-4D97-AF65-F5344CB8AC3E}">
-        <p14:creationId xmlns:p14="http://schemas.microsoft.com/office/powerpoint/2010/main" val="3859637913"/>
+        <p14:creationId xmlns:p14="http://schemas.microsoft.com/office/powerpoint/2010/main" val="3637952110"/>
       </p:ext>
     </p:extLst>
   </p:cSld>
@@ -641,9 +642,9 @@
           <a:bodyPr/>
           <a:lstStyle/>
           <a:p>
-            <a:fld id="{EBA87EE3-F7DD-44AC-AB42-9CD66E97FB29}" type="datetimeFigureOut">
-              <a:rPr lang="en-US" smtClean="0"/>
-              <a:t>11/21/2018</a:t>
+            <a:fld id="{BD28BDFC-2FD9-4824-842E-E57E5AA7B1F5}" type="datetimeFigureOut">
+              <a:rPr lang="en-US" smtClean="0"/>
+              <a:t>12/21/2018</a:t>
             </a:fld>
             <a:endParaRPr lang="en-US"/>
           </a:p>
@@ -683,7 +684,7 @@
           <a:bodyPr/>
           <a:lstStyle/>
           <a:p>
-            <a:fld id="{9A2AC8D9-99D0-4717-8AC7-4601741106D2}" type="slidenum">
+            <a:fld id="{74702C19-4DE7-4EB9-B73C-C863DCB64DC9}" type="slidenum">
               <a:rPr lang="en-US" smtClean="0"/>
               <a:t>‹#›</a:t>
             </a:fld>
@@ -694,7 +695,7 @@
     </p:spTree>
     <p:extLst>
       <p:ext uri="{BB962C8B-B14F-4D97-AF65-F5344CB8AC3E}">
-        <p14:creationId xmlns:p14="http://schemas.microsoft.com/office/powerpoint/2010/main" val="1035873181"/>
+        <p14:creationId xmlns:p14="http://schemas.microsoft.com/office/powerpoint/2010/main" val="2192576077"/>
       </p:ext>
     </p:extLst>
   </p:cSld>
@@ -811,9 +812,9 @@
           <a:bodyPr/>
           <a:lstStyle/>
           <a:p>
-            <a:fld id="{EBA87EE3-F7DD-44AC-AB42-9CD66E97FB29}" type="datetimeFigureOut">
-              <a:rPr lang="en-US" smtClean="0"/>
-              <a:t>11/21/2018</a:t>
+            <a:fld id="{BD28BDFC-2FD9-4824-842E-E57E5AA7B1F5}" type="datetimeFigureOut">
+              <a:rPr lang="en-US" smtClean="0"/>
+              <a:t>12/21/2018</a:t>
             </a:fld>
             <a:endParaRPr lang="en-US"/>
           </a:p>
@@ -853,7 +854,7 @@
           <a:bodyPr/>
           <a:lstStyle/>
           <a:p>
-            <a:fld id="{9A2AC8D9-99D0-4717-8AC7-4601741106D2}" type="slidenum">
+            <a:fld id="{74702C19-4DE7-4EB9-B73C-C863DCB64DC9}" type="slidenum">
               <a:rPr lang="en-US" smtClean="0"/>
               <a:t>‹#›</a:t>
             </a:fld>
@@ -864,7 +865,7 @@
     </p:spTree>
     <p:extLst>
       <p:ext uri="{BB962C8B-B14F-4D97-AF65-F5344CB8AC3E}">
-        <p14:creationId xmlns:p14="http://schemas.microsoft.com/office/powerpoint/2010/main" val="835920862"/>
+        <p14:creationId xmlns:p14="http://schemas.microsoft.com/office/powerpoint/2010/main" val="1352432244"/>
       </p:ext>
     </p:extLst>
   </p:cSld>
@@ -1057,9 +1058,9 @@
           <a:bodyPr/>
           <a:lstStyle/>
           <a:p>
-            <a:fld id="{EBA87EE3-F7DD-44AC-AB42-9CD66E97FB29}" type="datetimeFigureOut">
-              <a:rPr lang="en-US" smtClean="0"/>
-              <a:t>11/21/2018</a:t>
+            <a:fld id="{BD28BDFC-2FD9-4824-842E-E57E5AA7B1F5}" type="datetimeFigureOut">
+              <a:rPr lang="en-US" smtClean="0"/>
+              <a:t>12/21/2018</a:t>
             </a:fld>
             <a:endParaRPr lang="en-US"/>
           </a:p>
@@ -1099,7 +1100,7 @@
           <a:bodyPr/>
           <a:lstStyle/>
           <a:p>
-            <a:fld id="{9A2AC8D9-99D0-4717-8AC7-4601741106D2}" type="slidenum">
+            <a:fld id="{74702C19-4DE7-4EB9-B73C-C863DCB64DC9}" type="slidenum">
               <a:rPr lang="en-US" smtClean="0"/>
               <a:t>‹#›</a:t>
             </a:fld>
@@ -1110,7 +1111,7 @@
     </p:spTree>
     <p:extLst>
       <p:ext uri="{BB962C8B-B14F-4D97-AF65-F5344CB8AC3E}">
-        <p14:creationId xmlns:p14="http://schemas.microsoft.com/office/powerpoint/2010/main" val="70388367"/>
+        <p14:creationId xmlns:p14="http://schemas.microsoft.com/office/powerpoint/2010/main" val="3251027497"/>
       </p:ext>
     </p:extLst>
   </p:cSld>
@@ -1345,9 +1346,9 @@
           <a:bodyPr/>
           <a:lstStyle/>
           <a:p>
-            <a:fld id="{EBA87EE3-F7DD-44AC-AB42-9CD66E97FB29}" type="datetimeFigureOut">
-              <a:rPr lang="en-US" smtClean="0"/>
-              <a:t>11/21/2018</a:t>
+            <a:fld id="{BD28BDFC-2FD9-4824-842E-E57E5AA7B1F5}" type="datetimeFigureOut">
+              <a:rPr lang="en-US" smtClean="0"/>
+              <a:t>12/21/2018</a:t>
             </a:fld>
             <a:endParaRPr lang="en-US"/>
           </a:p>
@@ -1387,7 +1388,7 @@
           <a:bodyPr/>
           <a:lstStyle/>
           <a:p>
-            <a:fld id="{9A2AC8D9-99D0-4717-8AC7-4601741106D2}" type="slidenum">
+            <a:fld id="{74702C19-4DE7-4EB9-B73C-C863DCB64DC9}" type="slidenum">
               <a:rPr lang="en-US" smtClean="0"/>
               <a:t>‹#›</a:t>
             </a:fld>
@@ -1398,7 +1399,7 @@
     </p:spTree>
     <p:extLst>
       <p:ext uri="{BB962C8B-B14F-4D97-AF65-F5344CB8AC3E}">
-        <p14:creationId xmlns:p14="http://schemas.microsoft.com/office/powerpoint/2010/main" val="396487548"/>
+        <p14:creationId xmlns:p14="http://schemas.microsoft.com/office/powerpoint/2010/main" val="3088877238"/>
       </p:ext>
     </p:extLst>
   </p:cSld>
@@ -1767,9 +1768,9 @@
           <a:bodyPr/>
           <a:lstStyle/>
           <a:p>
-            <a:fld id="{EBA87EE3-F7DD-44AC-AB42-9CD66E97FB29}" type="datetimeFigureOut">
-              <a:rPr lang="en-US" smtClean="0"/>
-              <a:t>11/21/2018</a:t>
+            <a:fld id="{BD28BDFC-2FD9-4824-842E-E57E5AA7B1F5}" type="datetimeFigureOut">
+              <a:rPr lang="en-US" smtClean="0"/>
+              <a:t>12/21/2018</a:t>
             </a:fld>
             <a:endParaRPr lang="en-US"/>
           </a:p>
@@ -1809,7 +1810,7 @@
           <a:bodyPr/>
           <a:lstStyle/>
           <a:p>
-            <a:fld id="{9A2AC8D9-99D0-4717-8AC7-4601741106D2}" type="slidenum">
+            <a:fld id="{74702C19-4DE7-4EB9-B73C-C863DCB64DC9}" type="slidenum">
               <a:rPr lang="en-US" smtClean="0"/>
               <a:t>‹#›</a:t>
             </a:fld>
@@ -1820,7 +1821,7 @@
     </p:spTree>
     <p:extLst>
       <p:ext uri="{BB962C8B-B14F-4D97-AF65-F5344CB8AC3E}">
-        <p14:creationId xmlns:p14="http://schemas.microsoft.com/office/powerpoint/2010/main" val="3708553269"/>
+        <p14:creationId xmlns:p14="http://schemas.microsoft.com/office/powerpoint/2010/main" val="972755118"/>
       </p:ext>
     </p:extLst>
   </p:cSld>
@@ -1885,9 +1886,9 @@
           <a:bodyPr/>
           <a:lstStyle/>
           <a:p>
-            <a:fld id="{EBA87EE3-F7DD-44AC-AB42-9CD66E97FB29}" type="datetimeFigureOut">
-              <a:rPr lang="en-US" smtClean="0"/>
-              <a:t>11/21/2018</a:t>
+            <a:fld id="{BD28BDFC-2FD9-4824-842E-E57E5AA7B1F5}" type="datetimeFigureOut">
+              <a:rPr lang="en-US" smtClean="0"/>
+              <a:t>12/21/2018</a:t>
             </a:fld>
             <a:endParaRPr lang="en-US"/>
           </a:p>
@@ -1927,7 +1928,7 @@
           <a:bodyPr/>
           <a:lstStyle/>
           <a:p>
-            <a:fld id="{9A2AC8D9-99D0-4717-8AC7-4601741106D2}" type="slidenum">
+            <a:fld id="{74702C19-4DE7-4EB9-B73C-C863DCB64DC9}" type="slidenum">
               <a:rPr lang="en-US" smtClean="0"/>
               <a:t>‹#›</a:t>
             </a:fld>
@@ -1938,7 +1939,7 @@
     </p:spTree>
     <p:extLst>
       <p:ext uri="{BB962C8B-B14F-4D97-AF65-F5344CB8AC3E}">
-        <p14:creationId xmlns:p14="http://schemas.microsoft.com/office/powerpoint/2010/main" val="668375657"/>
+        <p14:creationId xmlns:p14="http://schemas.microsoft.com/office/powerpoint/2010/main" val="242264594"/>
       </p:ext>
     </p:extLst>
   </p:cSld>
@@ -1980,9 +1981,9 @@
           <a:bodyPr/>
           <a:lstStyle/>
           <a:p>
-            <a:fld id="{EBA87EE3-F7DD-44AC-AB42-9CD66E97FB29}" type="datetimeFigureOut">
-              <a:rPr lang="en-US" smtClean="0"/>
-              <a:t>11/21/2018</a:t>
+            <a:fld id="{BD28BDFC-2FD9-4824-842E-E57E5AA7B1F5}" type="datetimeFigureOut">
+              <a:rPr lang="en-US" smtClean="0"/>
+              <a:t>12/21/2018</a:t>
             </a:fld>
             <a:endParaRPr lang="en-US"/>
           </a:p>
@@ -2022,7 +2023,7 @@
           <a:bodyPr/>
           <a:lstStyle/>
           <a:p>
-            <a:fld id="{9A2AC8D9-99D0-4717-8AC7-4601741106D2}" type="slidenum">
+            <a:fld id="{74702C19-4DE7-4EB9-B73C-C863DCB64DC9}" type="slidenum">
               <a:rPr lang="en-US" smtClean="0"/>
               <a:t>‹#›</a:t>
             </a:fld>
@@ -2033,7 +2034,7 @@
     </p:spTree>
     <p:extLst>
       <p:ext uri="{BB962C8B-B14F-4D97-AF65-F5344CB8AC3E}">
-        <p14:creationId xmlns:p14="http://schemas.microsoft.com/office/powerpoint/2010/main" val="29239046"/>
+        <p14:creationId xmlns:p14="http://schemas.microsoft.com/office/powerpoint/2010/main" val="3197229200"/>
       </p:ext>
     </p:extLst>
   </p:cSld>
@@ -2257,9 +2258,9 @@
           <a:bodyPr/>
           <a:lstStyle/>
           <a:p>
-            <a:fld id="{EBA87EE3-F7DD-44AC-AB42-9CD66E97FB29}" type="datetimeFigureOut">
-              <a:rPr lang="en-US" smtClean="0"/>
-              <a:t>11/21/2018</a:t>
+            <a:fld id="{BD28BDFC-2FD9-4824-842E-E57E5AA7B1F5}" type="datetimeFigureOut">
+              <a:rPr lang="en-US" smtClean="0"/>
+              <a:t>12/21/2018</a:t>
             </a:fld>
             <a:endParaRPr lang="en-US"/>
           </a:p>
@@ -2299,7 +2300,7 @@
           <a:bodyPr/>
           <a:lstStyle/>
           <a:p>
-            <a:fld id="{9A2AC8D9-99D0-4717-8AC7-4601741106D2}" type="slidenum">
+            <a:fld id="{74702C19-4DE7-4EB9-B73C-C863DCB64DC9}" type="slidenum">
               <a:rPr lang="en-US" smtClean="0"/>
               <a:t>‹#›</a:t>
             </a:fld>
@@ -2310,7 +2311,7 @@
     </p:spTree>
     <p:extLst>
       <p:ext uri="{BB962C8B-B14F-4D97-AF65-F5344CB8AC3E}">
-        <p14:creationId xmlns:p14="http://schemas.microsoft.com/office/powerpoint/2010/main" val="3101775046"/>
+        <p14:creationId xmlns:p14="http://schemas.microsoft.com/office/powerpoint/2010/main" val="2633461327"/>
       </p:ext>
     </p:extLst>
   </p:cSld>
@@ -2510,9 +2511,9 @@
           <a:bodyPr/>
           <a:lstStyle/>
           <a:p>
-            <a:fld id="{EBA87EE3-F7DD-44AC-AB42-9CD66E97FB29}" type="datetimeFigureOut">
-              <a:rPr lang="en-US" smtClean="0"/>
-              <a:t>11/21/2018</a:t>
+            <a:fld id="{BD28BDFC-2FD9-4824-842E-E57E5AA7B1F5}" type="datetimeFigureOut">
+              <a:rPr lang="en-US" smtClean="0"/>
+              <a:t>12/21/2018</a:t>
             </a:fld>
             <a:endParaRPr lang="en-US"/>
           </a:p>
@@ -2552,7 +2553,7 @@
           <a:bodyPr/>
           <a:lstStyle/>
           <a:p>
-            <a:fld id="{9A2AC8D9-99D0-4717-8AC7-4601741106D2}" type="slidenum">
+            <a:fld id="{74702C19-4DE7-4EB9-B73C-C863DCB64DC9}" type="slidenum">
               <a:rPr lang="en-US" smtClean="0"/>
               <a:t>‹#›</a:t>
             </a:fld>
@@ -2563,7 +2564,7 @@
     </p:spTree>
     <p:extLst>
       <p:ext uri="{BB962C8B-B14F-4D97-AF65-F5344CB8AC3E}">
-        <p14:creationId xmlns:p14="http://schemas.microsoft.com/office/powerpoint/2010/main" val="127868680"/>
+        <p14:creationId xmlns:p14="http://schemas.microsoft.com/office/powerpoint/2010/main" val="1414840335"/>
       </p:ext>
     </p:extLst>
   </p:cSld>
@@ -2723,9 +2724,9 @@
             </a:lvl1pPr>
           </a:lstStyle>
           <a:p>
-            <a:fld id="{EBA87EE3-F7DD-44AC-AB42-9CD66E97FB29}" type="datetimeFigureOut">
-              <a:rPr lang="en-US" smtClean="0"/>
-              <a:t>11/21/2018</a:t>
+            <a:fld id="{BD28BDFC-2FD9-4824-842E-E57E5AA7B1F5}" type="datetimeFigureOut">
+              <a:rPr lang="en-US" smtClean="0"/>
+              <a:t>12/21/2018</a:t>
             </a:fld>
             <a:endParaRPr lang="en-US"/>
           </a:p>
@@ -2801,7 +2802,7 @@
             </a:lvl1pPr>
           </a:lstStyle>
           <a:p>
-            <a:fld id="{9A2AC8D9-99D0-4717-8AC7-4601741106D2}" type="slidenum">
+            <a:fld id="{74702C19-4DE7-4EB9-B73C-C863DCB64DC9}" type="slidenum">
               <a:rPr lang="en-US" smtClean="0"/>
               <a:t>‹#›</a:t>
             </a:fld>
@@ -2812,7 +2813,7 @@
     </p:spTree>
     <p:extLst>
       <p:ext uri="{BB962C8B-B14F-4D97-AF65-F5344CB8AC3E}">
-        <p14:creationId xmlns:p14="http://schemas.microsoft.com/office/powerpoint/2010/main" val="248816376"/>
+        <p14:creationId xmlns:p14="http://schemas.microsoft.com/office/powerpoint/2010/main" val="3712300915"/>
       </p:ext>
     </p:extLst>
   </p:cSld>
@@ -3110,30 +3111,18 @@
             <p:ph type="title"/>
           </p:nvPr>
         </p:nvSpPr>
-        <p:spPr>
-          <a:xfrm>
-            <a:off x="533400" y="762000"/>
-            <a:ext cx="8229600" cy="1143000"/>
-          </a:xfrm>
-        </p:spPr>
+        <p:spPr/>
         <p:txBody>
           <a:bodyPr>
-            <a:normAutofit fontScale="90000"/>
+            <a:noAutofit/>
           </a:bodyPr>
           <a:lstStyle/>
           <a:p>
             <a:r>
-              <a:rPr lang="en-US" b="1" u="sng" dirty="0"/>
+              <a:rPr lang="en-US" u="sng" dirty="0" smtClean="0"/>
               <a:t>Best Digital Marketing Company in Coimbatore</a:t>
             </a:r>
-            <a:r>
-              <a:rPr lang="en-US" b="1" dirty="0"/>
-              <a:t/>
-            </a:r>
-            <a:br>
-              <a:rPr lang="en-US" b="1" dirty="0"/>
-            </a:br>
-            <a:endParaRPr lang="en-US" b="1" dirty="0"/>
+            <a:endParaRPr lang="en-US" u="sng" dirty="0"/>
           </a:p>
         </p:txBody>
       </p:sp>
@@ -3161,15 +3150,15 @@
         </p:blipFill>
         <p:spPr>
           <a:xfrm>
-            <a:off x="457200" y="2133600"/>
-            <a:ext cx="8229600" cy="4114800"/>
+            <a:off x="1905000" y="1828800"/>
+            <a:ext cx="5398991" cy="4525963"/>
           </a:xfrm>
         </p:spPr>
       </p:pic>
     </p:spTree>
     <p:extLst>
       <p:ext uri="{BB962C8B-B14F-4D97-AF65-F5344CB8AC3E}">
-        <p14:creationId xmlns:p14="http://schemas.microsoft.com/office/powerpoint/2010/main" val="648066085"/>
+        <p14:creationId xmlns:p14="http://schemas.microsoft.com/office/powerpoint/2010/main" val="4165194492"/>
       </p:ext>
     </p:extLst>
   </p:cSld>
@@ -3209,15 +3198,15 @@
         <p:spPr/>
         <p:txBody>
           <a:bodyPr>
-            <a:normAutofit/>
+            <a:noAutofit/>
           </a:bodyPr>
           <a:lstStyle/>
           <a:p>
             <a:r>
-              <a:rPr lang="en-US" b="1" u="sng" dirty="0" smtClean="0"/>
-              <a:t>Introduction</a:t>
-            </a:r>
-            <a:endParaRPr lang="en-US" b="1" u="sng" dirty="0"/>
+              <a:rPr lang="en-US" sz="3600" u="sng" dirty="0" smtClean="0"/>
+              <a:t>DIGITAL MARKETING TRAINING IN TRAFFIC INTEGRATION</a:t>
+            </a:r>
+            <a:endParaRPr lang="en-US" sz="3600" u="sng" dirty="0"/>
           </a:p>
         </p:txBody>
       </p:sp>
@@ -3243,30 +3232,41 @@
                 <a:latin typeface="Arabic Typesetting" pitchFamily="66" charset="-78"/>
                 <a:cs typeface="Arabic Typesetting" pitchFamily="66" charset="-78"/>
               </a:rPr>
-              <a:t>The crazy bunch of innovative minds at </a:t>
-            </a:r>
-            <a:r>
-              <a:rPr lang="en-US" dirty="0">
+              <a:t>Traffic Integration provides 100% period of time, sensible </a:t>
+            </a:r>
+            <a:r>
+              <a:rPr lang="en-US" u="sng" dirty="0">
                 <a:latin typeface="Arabic Typesetting" pitchFamily="66" charset="-78"/>
                 <a:cs typeface="Arabic Typesetting" pitchFamily="66" charset="-78"/>
                 <a:hlinkClick r:id="rId2"/>
               </a:rPr>
-              <a:t>Traffic Integration </a:t>
+              <a:t>Digital marketing Company in Coimbatore</a:t>
             </a:r>
             <a:r>
               <a:rPr lang="en-US" dirty="0">
                 <a:latin typeface="Arabic Typesetting" pitchFamily="66" charset="-78"/>
                 <a:cs typeface="Arabic Typesetting" pitchFamily="66" charset="-78"/>
               </a:rPr>
-              <a:t>began their journey of acquisition the brands digitally before several might even trust doing the digital means. At Traffic Integration, our priority is to supply our purchaser’s unequalled expertise through tailor-fit digital solutions and that’s why we have a tendency to continuously place ourselves within the customer’s shoe to higher perceive the vision, mission, and worth of their whole and business.</a:t>
-            </a:r>
+              <a:t>. Our Digital marketing course concentrates from basic level coaching to advanced level coaching. Our Digital marketing coaching is totally centered to urge placement in MNC in Coimbatore and certification on Digital marketing when completion of our course. Our team of Digital marketing trainer’s square measure Google certified professionals with additional period of time expertise in live </a:t>
+            </a:r>
+            <a:r>
+              <a:rPr lang="en-US" dirty="0" smtClean="0">
+                <a:latin typeface="Arabic Typesetting" pitchFamily="66" charset="-78"/>
+                <a:cs typeface="Arabic Typesetting" pitchFamily="66" charset="-78"/>
+              </a:rPr>
+              <a:t>projects.</a:t>
+            </a:r>
+            <a:endParaRPr lang="en-US" dirty="0">
+              <a:latin typeface="Arabic Typesetting" pitchFamily="66" charset="-78"/>
+              <a:cs typeface="Arabic Typesetting" pitchFamily="66" charset="-78"/>
+            </a:endParaRPr>
           </a:p>
         </p:txBody>
       </p:sp>
     </p:spTree>
     <p:extLst>
       <p:ext uri="{BB962C8B-B14F-4D97-AF65-F5344CB8AC3E}">
-        <p14:creationId xmlns:p14="http://schemas.microsoft.com/office/powerpoint/2010/main" val="4082630511"/>
+        <p14:creationId xmlns:p14="http://schemas.microsoft.com/office/powerpoint/2010/main" val="2222978977"/>
       </p:ext>
     </p:extLst>
   </p:cSld>
@@ -3303,10 +3303,71 @@
             <p:ph type="title"/>
           </p:nvPr>
         </p:nvSpPr>
+        <p:spPr/>
+        <p:txBody>
+          <a:bodyPr>
+            <a:normAutofit/>
+          </a:bodyPr>
+          <a:lstStyle/>
+          <a:p>
+            <a:r>
+              <a:rPr lang="en-US" sz="2800" u="sng" dirty="0" smtClean="0">
+                <a:latin typeface="Arabic Typesetting" pitchFamily="66" charset="-78"/>
+                <a:cs typeface="Arabic Typesetting" pitchFamily="66" charset="-78"/>
+              </a:rPr>
+              <a:t>Traffic Integration- Digital marketing company</a:t>
+            </a:r>
+            <a:endParaRPr lang="en-US" sz="2800" u="sng" dirty="0">
+              <a:latin typeface="Arabic Typesetting" pitchFamily="66" charset="-78"/>
+              <a:cs typeface="Arabic Typesetting" pitchFamily="66" charset="-78"/>
+            </a:endParaRPr>
+          </a:p>
+        </p:txBody>
+      </p:sp>
+      <p:pic>
+        <p:nvPicPr>
+          <p:cNvPr id="5" name="Picture Placeholder 4"/>
+          <p:cNvPicPr>
+            <a:picLocks noGrp="1" noChangeAspect="1"/>
+          </p:cNvPicPr>
+          <p:nvPr>
+            <p:ph type="pic" idx="1"/>
+          </p:nvPr>
+        </p:nvPicPr>
+        <p:blipFill>
+          <a:blip r:embed="rId2">
+            <a:extLst>
+              <a:ext uri="{28A0092B-C50C-407E-A947-70E740481C1C}">
+                <a14:useLocalDpi xmlns:a14="http://schemas.microsoft.com/office/drawing/2010/main" val="0"/>
+              </a:ext>
+            </a:extLst>
+          </a:blip>
+          <a:srcRect t="5266" b="5266"/>
+          <a:stretch>
+            <a:fillRect/>
+          </a:stretch>
+        </p:blipFill>
         <p:spPr>
           <a:xfrm>
-            <a:off x="457200" y="533400"/>
-            <a:ext cx="8229600" cy="1143000"/>
+            <a:off x="1904999" y="612774"/>
+            <a:ext cx="5181601" cy="3886201"/>
+          </a:xfrm>
+        </p:spPr>
+      </p:pic>
+      <p:sp>
+        <p:nvSpPr>
+          <p:cNvPr id="4" name="Text Placeholder 3"/>
+          <p:cNvSpPr>
+            <a:spLocks noGrp="1"/>
+          </p:cNvSpPr>
+          <p:nvPr>
+            <p:ph type="body" sz="half" idx="2"/>
+          </p:nvPr>
+        </p:nvSpPr>
+        <p:spPr>
+          <a:xfrm>
+            <a:off x="1792288" y="5367338"/>
+            <a:ext cx="5675312" cy="1185862"/>
           </a:xfrm>
         </p:spPr>
         <p:txBody>
@@ -3316,57 +3377,34 @@
           <a:lstStyle/>
           <a:p>
             <a:r>
-              <a:rPr lang="en-US" sz="3600" b="1" u="sng" dirty="0">
-                <a:hlinkClick r:id="rId2"/>
-              </a:rPr>
-              <a:t>Search Engine optimization (SEO) Training in Coimbatore</a:t>
-            </a:r>
-            <a:r>
-              <a:rPr lang="en-US" sz="3600" b="1" u="sng" dirty="0"/>
-              <a:t/>
-            </a:r>
-            <a:br>
-              <a:rPr lang="en-US" sz="3600" b="1" u="sng" dirty="0"/>
-            </a:br>
-            <a:endParaRPr lang="en-US" sz="3600" b="1" u="sng" dirty="0"/>
-          </a:p>
-        </p:txBody>
-      </p:sp>
-      <p:sp>
-        <p:nvSpPr>
-          <p:cNvPr id="3" name="Content Placeholder 2"/>
-          <p:cNvSpPr>
-            <a:spLocks noGrp="1"/>
-          </p:cNvSpPr>
-          <p:nvPr>
-            <p:ph idx="1"/>
-          </p:nvPr>
-        </p:nvSpPr>
-        <p:spPr/>
-        <p:txBody>
-          <a:bodyPr/>
-          <a:lstStyle/>
-          <a:p>
-            <a:r>
-              <a:rPr lang="en-US" dirty="0">
+              <a:rPr lang="en-US" sz="2800" dirty="0">
                 <a:latin typeface="Arabic Typesetting" pitchFamily="66" charset="-78"/>
                 <a:cs typeface="Arabic Typesetting" pitchFamily="66" charset="-78"/>
               </a:rPr>
-              <a:t>‘Just Google it’ could be a phrase that created tens and thousands of companies of all shapes and sizes to vie within the ‘World of Keywords’ to air the primary page of Google! At Traffic Integration, we provide the foremost effective computer program optimization ways and this is often the explanation we have a tendency to be thought-about the most effective SEO service supplier in Coimbatore.</a:t>
-            </a:r>
-          </a:p>
-          <a:p>
-            <a:endParaRPr lang="en-US" dirty="0">
-              <a:latin typeface="Arabic Typesetting" pitchFamily="66" charset="-78"/>
-              <a:cs typeface="Arabic Typesetting" pitchFamily="66" charset="-78"/>
-            </a:endParaRPr>
+              <a:t>Our Training Institute is completely looking to offer this </a:t>
+            </a:r>
+            <a:r>
+              <a:rPr lang="en-US" sz="2800" dirty="0">
+                <a:latin typeface="Arabic Typesetting" pitchFamily="66" charset="-78"/>
+                <a:cs typeface="Arabic Typesetting" pitchFamily="66" charset="-78"/>
+                <a:hlinkClick r:id="rId3"/>
+              </a:rPr>
+              <a:t>Digital Marketing training </a:t>
+            </a:r>
+            <a:r>
+              <a:rPr lang="en-US" sz="2800" dirty="0">
+                <a:latin typeface="Arabic Typesetting" pitchFamily="66" charset="-78"/>
+                <a:cs typeface="Arabic Typesetting" pitchFamily="66" charset="-78"/>
+              </a:rPr>
+              <a:t>in various places in and around Coimbatore</a:t>
+            </a:r>
           </a:p>
         </p:txBody>
       </p:sp>
     </p:spTree>
     <p:extLst>
       <p:ext uri="{BB962C8B-B14F-4D97-AF65-F5344CB8AC3E}">
-        <p14:creationId xmlns:p14="http://schemas.microsoft.com/office/powerpoint/2010/main" val="1136783360"/>
+        <p14:creationId xmlns:p14="http://schemas.microsoft.com/office/powerpoint/2010/main" val="3374302398"/>
       </p:ext>
     </p:extLst>
   </p:cSld>
@@ -3403,45 +3441,6 @@
             <p:ph type="title"/>
           </p:nvPr>
         </p:nvSpPr>
-        <p:spPr>
-          <a:xfrm>
-            <a:off x="457200" y="533400"/>
-            <a:ext cx="8229600" cy="1143000"/>
-          </a:xfrm>
-        </p:spPr>
-        <p:txBody>
-          <a:bodyPr>
-            <a:noAutofit/>
-          </a:bodyPr>
-          <a:lstStyle/>
-          <a:p>
-            <a:r>
-              <a:rPr lang="en-US" sz="3600" b="1" u="sng" dirty="0">
-                <a:hlinkClick r:id="rId2"/>
-              </a:rPr>
-              <a:t>Search Engine Marketing (SEM) Training in Coimbatore</a:t>
-            </a:r>
-            <a:r>
-              <a:rPr lang="en-US" sz="3600" b="1" u="sng" dirty="0"/>
-              <a:t/>
-            </a:r>
-            <a:br>
-              <a:rPr lang="en-US" sz="3600" b="1" u="sng" dirty="0"/>
-            </a:br>
-            <a:endParaRPr lang="en-US" sz="3600" b="1" u="sng" dirty="0"/>
-          </a:p>
-        </p:txBody>
-      </p:sp>
-      <p:sp>
-        <p:nvSpPr>
-          <p:cNvPr id="3" name="Content Placeholder 2"/>
-          <p:cNvSpPr>
-            <a:spLocks noGrp="1"/>
-          </p:cNvSpPr>
-          <p:nvPr>
-            <p:ph idx="1"/>
-          </p:nvPr>
-        </p:nvSpPr>
         <p:spPr/>
         <p:txBody>
           <a:bodyPr>
@@ -3450,14 +3449,72 @@
           <a:lstStyle/>
           <a:p>
             <a:r>
-              <a:rPr lang="en-US" dirty="0">
+              <a:rPr lang="en-US" sz="4000" u="sng" dirty="0" smtClean="0"/>
+              <a:t>Course Modules</a:t>
+            </a:r>
+            <a:endParaRPr lang="en-US" sz="4000" u="sng" dirty="0"/>
+          </a:p>
+        </p:txBody>
+      </p:sp>
+      <p:sp>
+        <p:nvSpPr>
+          <p:cNvPr id="3" name="Content Placeholder 2"/>
+          <p:cNvSpPr>
+            <a:spLocks noGrp="1"/>
+          </p:cNvSpPr>
+          <p:nvPr>
+            <p:ph idx="1"/>
+          </p:nvPr>
+        </p:nvSpPr>
+        <p:spPr/>
+        <p:txBody>
+          <a:bodyPr>
+            <a:normAutofit/>
+          </a:bodyPr>
+          <a:lstStyle/>
+          <a:p>
+            <a:r>
+              <a:rPr lang="en-US" dirty="0" smtClean="0">
                 <a:latin typeface="Arabic Typesetting" pitchFamily="66" charset="-78"/>
                 <a:cs typeface="Arabic Typesetting" pitchFamily="66" charset="-78"/>
               </a:rPr>
-              <a:t>Traffic Integration’s holistic model of SEM services is devised in such the simplest way that the 2 main disciplines of SEM, computer program optimization (SEO) and Pay Per Click (PPC) are complementary to every different in giving the higher results. Different services we offer are ad copy and SEO copywriting, creation of landing pages and metric analysis exploitation net analytics tools and applications.</a:t>
-            </a:r>
-          </a:p>
-          <a:p>
+              <a:t>Our Digital marketing Course covers associate Introduction to Digital marketing, Building a Digital Foundation , designing an internet website for on-line marketing , SEO, Building or Optimizing an internet website for on-line marketing , Content marketing , </a:t>
+            </a:r>
+            <a:r>
+              <a:rPr lang="en-US" dirty="0" smtClean="0">
+                <a:latin typeface="Arabic Typesetting" pitchFamily="66" charset="-78"/>
+                <a:cs typeface="Arabic Typesetting" pitchFamily="66" charset="-78"/>
+                <a:hlinkClick r:id="rId2"/>
+              </a:rPr>
+              <a:t>Search Engine Marketing </a:t>
+            </a:r>
+            <a:r>
+              <a:rPr lang="en-US" dirty="0" smtClean="0">
+                <a:latin typeface="Arabic Typesetting" pitchFamily="66" charset="-78"/>
+                <a:cs typeface="Arabic Typesetting" pitchFamily="66" charset="-78"/>
+              </a:rPr>
+              <a:t>, </a:t>
+            </a:r>
+            <a:r>
+              <a:rPr lang="en-US" dirty="0" smtClean="0">
+                <a:latin typeface="Arabic Typesetting" pitchFamily="66" charset="-78"/>
+                <a:cs typeface="Arabic Typesetting" pitchFamily="66" charset="-78"/>
+                <a:hlinkClick r:id="rId3"/>
+              </a:rPr>
+              <a:t>Social Media marketing</a:t>
+            </a:r>
+            <a:r>
+              <a:rPr lang="en-US" dirty="0" smtClean="0">
+                <a:latin typeface="Arabic Typesetting" pitchFamily="66" charset="-78"/>
+                <a:cs typeface="Arabic Typesetting" pitchFamily="66" charset="-78"/>
+              </a:rPr>
+              <a:t> , Blogging , on-line Advertising , Email marketing , on-line marketing strategy with various live sensible examples.</a:t>
+            </a:r>
+          </a:p>
+          <a:p>
+            <a:pPr marL="0" indent="0">
+              <a:buNone/>
+            </a:pPr>
             <a:endParaRPr lang="en-US" dirty="0">
               <a:latin typeface="Arabic Typesetting" pitchFamily="66" charset="-78"/>
               <a:cs typeface="Arabic Typesetting" pitchFamily="66" charset="-78"/>
@@ -3468,7 +3525,7 @@
     </p:spTree>
     <p:extLst>
       <p:ext uri="{BB962C8B-B14F-4D97-AF65-F5344CB8AC3E}">
-        <p14:creationId xmlns:p14="http://schemas.microsoft.com/office/powerpoint/2010/main" val="2926564940"/>
+        <p14:creationId xmlns:p14="http://schemas.microsoft.com/office/powerpoint/2010/main" val="3059103914"/>
       </p:ext>
     </p:extLst>
   </p:cSld>
@@ -3505,32 +3562,18 @@
             <p:ph type="title"/>
           </p:nvPr>
         </p:nvSpPr>
-        <p:spPr>
-          <a:xfrm>
-            <a:off x="457200" y="457200"/>
-            <a:ext cx="8229600" cy="1143000"/>
-          </a:xfrm>
-        </p:spPr>
+        <p:spPr/>
         <p:txBody>
           <a:bodyPr>
-            <a:noAutofit/>
+            <a:normAutofit/>
           </a:bodyPr>
           <a:lstStyle/>
           <a:p>
             <a:r>
-              <a:rPr lang="en-US" sz="3600" b="1" u="sng" dirty="0">
-                <a:hlinkClick r:id="rId2"/>
-              </a:rPr>
-              <a:t>Social Media Marketing (SMM) Training in Coimbatore</a:t>
-            </a:r>
-            <a:r>
-              <a:rPr lang="en-US" sz="3600" b="1" u="sng" dirty="0"/>
-              <a:t/>
-            </a:r>
-            <a:br>
-              <a:rPr lang="en-US" sz="3600" b="1" u="sng" dirty="0"/>
-            </a:br>
-            <a:endParaRPr lang="en-US" sz="3600" b="1" u="sng" dirty="0"/>
+              <a:rPr lang="en-US" u="sng" dirty="0" smtClean="0"/>
+              <a:t>Lab Facility</a:t>
+            </a:r>
+            <a:endParaRPr lang="en-US" u="sng" dirty="0"/>
           </a:p>
         </p:txBody>
       </p:sp>
@@ -3544,15 +3587,10 @@
             <p:ph idx="1"/>
           </p:nvPr>
         </p:nvSpPr>
-        <p:spPr>
-          <a:xfrm>
-            <a:off x="304800" y="1447800"/>
-            <a:ext cx="8458200" cy="5181600"/>
-          </a:xfrm>
-        </p:spPr>
+        <p:spPr/>
         <p:txBody>
           <a:bodyPr>
-            <a:normAutofit fontScale="77500" lnSpcReduction="20000"/>
+            <a:normAutofit/>
           </a:bodyPr>
           <a:lstStyle/>
           <a:p>
@@ -3561,109 +3599,15 @@
                 <a:latin typeface="Arabic Typesetting" pitchFamily="66" charset="-78"/>
                 <a:cs typeface="Arabic Typesetting" pitchFamily="66" charset="-78"/>
               </a:rPr>
-              <a:t>Social Media Marketing has become a lot of crucial in fast the success stories of the brands within the previous few years. </a:t>
-            </a:r>
-            <a:endParaRPr lang="en-US" dirty="0" smtClean="0">
-              <a:latin typeface="Arabic Typesetting" pitchFamily="66" charset="-78"/>
-              <a:cs typeface="Arabic Typesetting" pitchFamily="66" charset="-78"/>
-            </a:endParaRPr>
-          </a:p>
-          <a:p>
-            <a:r>
-              <a:rPr lang="en-US" dirty="0" smtClean="0">
-                <a:latin typeface="Arabic Typesetting" pitchFamily="66" charset="-78"/>
-                <a:cs typeface="Arabic Typesetting" pitchFamily="66" charset="-78"/>
-              </a:rPr>
-              <a:t>Be </a:t>
-            </a:r>
-            <a:r>
-              <a:rPr lang="en-US" dirty="0">
-                <a:latin typeface="Arabic Typesetting" pitchFamily="66" charset="-78"/>
-                <a:cs typeface="Arabic Typesetting" pitchFamily="66" charset="-78"/>
-              </a:rPr>
-              <a:t>it whole awareness or lead generation or perhaps unleashing a infectious agent Marketing campaign, at Traffic Integration, our strategists can continuously check that to attain your business objectives by chase the KPI’s from time to time.</a:t>
-            </a:r>
-          </a:p>
-          <a:p>
-            <a:r>
-              <a:rPr lang="en-US" dirty="0">
-                <a:latin typeface="Arabic Typesetting" pitchFamily="66" charset="-78"/>
-                <a:cs typeface="Arabic Typesetting" pitchFamily="66" charset="-78"/>
-              </a:rPr>
-              <a:t>As a Social Media Marketing company in Coimbatore, we have a tendency to be also keen on keeping the correct balance between the paid and organic techniques on completely different social platforms like Facebook, Twitter, </a:t>
-            </a:r>
-            <a:r>
-              <a:rPr lang="en-US" dirty="0" err="1">
-                <a:latin typeface="Arabic Typesetting" pitchFamily="66" charset="-78"/>
-                <a:cs typeface="Arabic Typesetting" pitchFamily="66" charset="-78"/>
-              </a:rPr>
-              <a:t>Instagram</a:t>
-            </a:r>
-            <a:r>
-              <a:rPr lang="en-US" dirty="0">
-                <a:latin typeface="Arabic Typesetting" pitchFamily="66" charset="-78"/>
-                <a:cs typeface="Arabic Typesetting" pitchFamily="66" charset="-78"/>
-              </a:rPr>
-              <a:t>, Google+ etc. With our paid advertising ways, you can:</a:t>
-            </a:r>
-          </a:p>
-          <a:p>
-            <a:r>
-              <a:rPr lang="en-US" dirty="0">
-                <a:latin typeface="Arabic Typesetting" pitchFamily="66" charset="-78"/>
-                <a:cs typeface="Arabic Typesetting" pitchFamily="66" charset="-78"/>
-              </a:rPr>
-              <a:t>Build audience base</a:t>
-            </a:r>
-          </a:p>
-          <a:p>
-            <a:r>
-              <a:rPr lang="en-US" dirty="0">
-                <a:latin typeface="Arabic Typesetting" pitchFamily="66" charset="-78"/>
-                <a:cs typeface="Arabic Typesetting" pitchFamily="66" charset="-78"/>
-              </a:rPr>
-              <a:t>Increase Social Engagement</a:t>
-            </a:r>
-          </a:p>
-          <a:p>
-            <a:r>
-              <a:rPr lang="en-US" dirty="0">
-                <a:latin typeface="Arabic Typesetting" pitchFamily="66" charset="-78"/>
-                <a:cs typeface="Arabic Typesetting" pitchFamily="66" charset="-78"/>
-              </a:rPr>
-              <a:t>Drive traffic to your web site</a:t>
-            </a:r>
-          </a:p>
-          <a:p>
-            <a:r>
-              <a:rPr lang="en-US" dirty="0">
-                <a:latin typeface="Arabic Typesetting" pitchFamily="66" charset="-78"/>
-                <a:cs typeface="Arabic Typesetting" pitchFamily="66" charset="-78"/>
-              </a:rPr>
-              <a:t>Optimize your ads for conversions</a:t>
-            </a:r>
-          </a:p>
-          <a:p>
-            <a:r>
-              <a:rPr lang="en-US" dirty="0">
-                <a:latin typeface="Arabic Typesetting" pitchFamily="66" charset="-78"/>
-                <a:cs typeface="Arabic Typesetting" pitchFamily="66" charset="-78"/>
-              </a:rPr>
-              <a:t>Increase whole awareness</a:t>
-            </a:r>
-          </a:p>
-          <a:p>
-            <a:endParaRPr lang="en-US" dirty="0">
-              <a:latin typeface="Arabic Typesetting" pitchFamily="66" charset="-78"/>
-              <a:cs typeface="Arabic Typesetting" pitchFamily="66" charset="-78"/>
-            </a:endParaRPr>
+              <a:t>Our Digital marketing coaching center is equipped with good surroundings to be told with all needed facilities. We have a tendency to guide our Digital marketing coaching students to be an authorized at finish of our course. Within the last six months timeframe we completed Digital marketing coaching for over 80+ students with glorious feedback and also the students getting placements in top MNC Companies. </a:t>
+            </a:r>
           </a:p>
         </p:txBody>
       </p:sp>
     </p:spTree>
     <p:extLst>
       <p:ext uri="{BB962C8B-B14F-4D97-AF65-F5344CB8AC3E}">
-        <p14:creationId xmlns:p14="http://schemas.microsoft.com/office/powerpoint/2010/main" val="2948330743"/>
+        <p14:creationId xmlns:p14="http://schemas.microsoft.com/office/powerpoint/2010/main" val="3094829433"/>
       </p:ext>
     </p:extLst>
   </p:cSld>
@@ -3700,21 +3644,16 @@
             <p:ph type="title"/>
           </p:nvPr>
         </p:nvSpPr>
-        <p:spPr>
-          <a:xfrm>
-            <a:off x="457200" y="152400"/>
-            <a:ext cx="8229600" cy="1143000"/>
-          </a:xfrm>
-        </p:spPr>
-        <p:txBody>
-          <a:bodyPr/>
-          <a:lstStyle/>
-          <a:p>
-            <a:r>
-              <a:rPr lang="en-US" b="1" u="sng" dirty="0" smtClean="0"/>
-              <a:t>Conclusion</a:t>
-            </a:r>
-            <a:endParaRPr lang="en-US" b="1" u="sng" dirty="0"/>
+        <p:spPr/>
+        <p:txBody>
+          <a:bodyPr/>
+          <a:lstStyle/>
+          <a:p>
+            <a:r>
+              <a:rPr lang="en-US" u="sng" dirty="0" smtClean="0"/>
+              <a:t>Course Fee and Timings</a:t>
+            </a:r>
+            <a:endParaRPr lang="en-US" u="sng" dirty="0"/>
           </a:p>
         </p:txBody>
       </p:sp>
@@ -3728,49 +3667,116 @@
             <p:ph idx="1"/>
           </p:nvPr>
         </p:nvSpPr>
-        <p:spPr>
-          <a:xfrm>
-            <a:off x="533400" y="1447800"/>
-            <a:ext cx="8229600" cy="4525963"/>
-          </a:xfrm>
-        </p:spPr>
+        <p:spPr/>
         <p:txBody>
           <a:bodyPr>
-            <a:normAutofit fontScale="92500" lnSpcReduction="10000"/>
+            <a:normAutofit fontScale="92500"/>
           </a:bodyPr>
           <a:lstStyle/>
+          <a:p>
+            <a:r>
+              <a:rPr lang="en-US" dirty="0">
+                <a:latin typeface="Arabic Typesetting" pitchFamily="66" charset="-78"/>
+                <a:cs typeface="Arabic Typesetting" pitchFamily="66" charset="-78"/>
+              </a:rPr>
+              <a:t>Our Digital marketing coaching course fee is extremely nominal that anyone will pay in installment basis moreover. We have multiple category timings that suit everybody to learn in their own timings. Our Digital marketing coaching is regular in regular weekdays and weekends supported the scholar’s request. </a:t>
+            </a:r>
+            <a:endParaRPr lang="en-US" dirty="0" smtClean="0">
+              <a:latin typeface="Arabic Typesetting" pitchFamily="66" charset="-78"/>
+              <a:cs typeface="Arabic Typesetting" pitchFamily="66" charset="-78"/>
+            </a:endParaRPr>
+          </a:p>
           <a:p>
             <a:r>
               <a:rPr lang="en-US" dirty="0" smtClean="0">
                 <a:latin typeface="Arabic Typesetting" pitchFamily="66" charset="-78"/>
                 <a:cs typeface="Arabic Typesetting" pitchFamily="66" charset="-78"/>
               </a:rPr>
-              <a:t>We are a Digital Marketing Company of our own kind specialized in delivering web Advertising Solutions that features Conversion optimization, Social promoting, show Advertising, whole Management, SEO, SEM, etc.</a:t>
-            </a:r>
-          </a:p>
-          <a:p>
-            <a:r>
-              <a:rPr lang="en-US" dirty="0" smtClean="0">
+              <a:t>We </a:t>
+            </a:r>
+            <a:r>
+              <a:rPr lang="en-US" dirty="0">
                 <a:latin typeface="Arabic Typesetting" pitchFamily="66" charset="-78"/>
                 <a:cs typeface="Arabic Typesetting" pitchFamily="66" charset="-78"/>
               </a:rPr>
-              <a:t>Traffic Integration could be a digital </a:t>
-            </a:r>
-            <a:r>
-              <a:rPr lang="en-US" dirty="0" smtClean="0">
-                <a:latin typeface="Arabic Typesetting" pitchFamily="66" charset="-78"/>
-                <a:cs typeface="Arabic Typesetting" pitchFamily="66" charset="-78"/>
-              </a:rPr>
-              <a:t>Marketing</a:t>
-            </a:r>
-            <a:r>
-              <a:rPr lang="en-US" dirty="0" smtClean="0">
-                <a:latin typeface="Arabic Typesetting" pitchFamily="66" charset="-78"/>
-                <a:cs typeface="Arabic Typesetting" pitchFamily="66" charset="-78"/>
-              </a:rPr>
-              <a:t> company giving clear services in Coimbatore. Be able to set your digital promoting campaigns enthusiastically with the sharpest minds within the trade. Get in reality, we'd like to hear from you</a:t>
-            </a:r>
-          </a:p>
+              <a:t>have a tendency to do have means Digital marketing coaching and on-line Digital marketing coaching with matched basis. We additionally provide Digital marketing coaching for Corporate Company; the workers of their company are edges with our coaching.</a:t>
+            </a:r>
+          </a:p>
+          <a:p>
+            <a:endParaRPr lang="en-US" dirty="0">
+              <a:latin typeface="Arabic Typesetting" pitchFamily="66" charset="-78"/>
+              <a:cs typeface="Arabic Typesetting" pitchFamily="66" charset="-78"/>
+            </a:endParaRPr>
+          </a:p>
+        </p:txBody>
+      </p:sp>
+    </p:spTree>
+    <p:extLst>
+      <p:ext uri="{BB962C8B-B14F-4D97-AF65-F5344CB8AC3E}">
+        <p14:creationId xmlns:p14="http://schemas.microsoft.com/office/powerpoint/2010/main" val="286215544"/>
+      </p:ext>
+    </p:extLst>
+  </p:cSld>
+  <p:clrMapOvr>
+    <a:masterClrMapping/>
+  </p:clrMapOvr>
+</p:sld>
+</file>
+
+<file path=ppt/slides/slide7.xml><?xml version="1.0" encoding="utf-8"?>
+<p:sld xmlns:a="http://schemas.openxmlformats.org/drawingml/2006/main" xmlns:r="http://schemas.openxmlformats.org/officeDocument/2006/relationships" xmlns:p="http://schemas.openxmlformats.org/presentationml/2006/main">
+  <p:cSld>
+    <p:spTree>
+      <p:nvGrpSpPr>
+        <p:cNvPr id="1" name=""/>
+        <p:cNvGrpSpPr/>
+        <p:nvPr/>
+      </p:nvGrpSpPr>
+      <p:grpSpPr>
+        <a:xfrm>
+          <a:off x="0" y="0"/>
+          <a:ext cx="0" cy="0"/>
+          <a:chOff x="0" y="0"/>
+          <a:chExt cx="0" cy="0"/>
+        </a:xfrm>
+      </p:grpSpPr>
+      <p:sp>
+        <p:nvSpPr>
+          <p:cNvPr id="2" name="Title 1"/>
+          <p:cNvSpPr>
+            <a:spLocks noGrp="1"/>
+          </p:cNvSpPr>
+          <p:nvPr>
+            <p:ph type="title"/>
+          </p:nvPr>
+        </p:nvSpPr>
+        <p:spPr/>
+        <p:txBody>
+          <a:bodyPr/>
+          <a:lstStyle/>
+          <a:p>
+            <a:r>
+              <a:rPr lang="en-US" dirty="0" smtClean="0"/>
+              <a:t>Contact us</a:t>
+            </a:r>
+            <a:endParaRPr lang="en-US" dirty="0"/>
+          </a:p>
+        </p:txBody>
+      </p:sp>
+      <p:sp>
+        <p:nvSpPr>
+          <p:cNvPr id="3" name="Content Placeholder 2"/>
+          <p:cNvSpPr>
+            <a:spLocks noGrp="1"/>
+          </p:cNvSpPr>
+          <p:nvPr>
+            <p:ph idx="1"/>
+          </p:nvPr>
+        </p:nvSpPr>
+        <p:spPr/>
+        <p:txBody>
+          <a:bodyPr/>
+          <a:lstStyle/>
           <a:p>
             <a:r>
               <a:rPr lang="en-US" dirty="0" smtClean="0">
@@ -3781,23 +3787,59 @@
             </a:r>
             <a:r>
               <a:rPr lang="en-US" dirty="0" smtClean="0">
+                <a:latin typeface="Arabic Typesetting" pitchFamily="66" charset="-78"/>
+                <a:cs typeface="Arabic Typesetting" pitchFamily="66" charset="-78"/>
                 <a:hlinkClick r:id="rId2"/>
               </a:rPr>
               <a:t>info@trafficintegration.com</a:t>
             </a:r>
-            <a:endParaRPr lang="en-US" dirty="0" smtClean="0"/>
-          </a:p>
-          <a:p>
-            <a:r>
-              <a:rPr lang="en-US" dirty="0" smtClean="0"/>
-              <a:t>Call :</a:t>
-            </a:r>
-            <a:r>
-              <a:rPr lang="en-US" dirty="0"/>
-              <a:t> +(91) 979 180 4290</a:t>
-            </a:r>
-          </a:p>
-          <a:p>
+            <a:endParaRPr lang="en-US" dirty="0" smtClean="0">
+              <a:latin typeface="Arabic Typesetting" pitchFamily="66" charset="-78"/>
+              <a:cs typeface="Arabic Typesetting" pitchFamily="66" charset="-78"/>
+            </a:endParaRPr>
+          </a:p>
+          <a:p>
+            <a:r>
+              <a:rPr lang="en-US" dirty="0" smtClean="0">
+                <a:latin typeface="Arabic Typesetting" pitchFamily="66" charset="-78"/>
+                <a:cs typeface="Arabic Typesetting" pitchFamily="66" charset="-78"/>
+              </a:rPr>
+              <a:t>Call - </a:t>
+            </a:r>
+            <a:r>
+              <a:rPr lang="en-US" dirty="0">
+                <a:latin typeface="Arabic Typesetting" pitchFamily="66" charset="-78"/>
+                <a:cs typeface="Arabic Typesetting" pitchFamily="66" charset="-78"/>
+              </a:rPr>
+              <a:t>+(91) 979 180 </a:t>
+            </a:r>
+            <a:r>
+              <a:rPr lang="en-US" dirty="0" smtClean="0">
+                <a:latin typeface="Arabic Typesetting" pitchFamily="66" charset="-78"/>
+                <a:cs typeface="Arabic Typesetting" pitchFamily="66" charset="-78"/>
+              </a:rPr>
+              <a:t>4290</a:t>
+            </a:r>
+          </a:p>
+          <a:p>
+            <a:r>
+              <a:rPr lang="en-US" dirty="0" smtClean="0">
+                <a:latin typeface="Arabic Typesetting" pitchFamily="66" charset="-78"/>
+                <a:cs typeface="Arabic Typesetting" pitchFamily="66" charset="-78"/>
+              </a:rPr>
+              <a:t>Address - </a:t>
+            </a:r>
+            <a:r>
+              <a:rPr lang="pt-BR" dirty="0">
+                <a:latin typeface="Arabic Typesetting" pitchFamily="66" charset="-78"/>
+                <a:cs typeface="Arabic Typesetting" pitchFamily="66" charset="-78"/>
+              </a:rPr>
+              <a:t>52/1, Kongu Nagar/ Ramanathapuram/ Coimbatore/ TN/ India</a:t>
+            </a:r>
+            <a:r>
+              <a:rPr lang="pt-BR" dirty="0"/>
+              <a:t>.</a:t>
+            </a:r>
             <a:endParaRPr lang="en-US" dirty="0">
               <a:latin typeface="Arabic Typesetting" pitchFamily="66" charset="-78"/>
               <a:cs typeface="Arabic Typesetting" pitchFamily="66" charset="-78"/>
@@ -3808,7 +3850,7 @@
     </p:spTree>
     <p:extLst>
       <p:ext uri="{BB962C8B-B14F-4D97-AF65-F5344CB8AC3E}">
-        <p14:creationId xmlns:p14="http://schemas.microsoft.com/office/powerpoint/2010/main" val="4074703990"/>
+        <p14:creationId xmlns:p14="http://schemas.microsoft.com/office/powerpoint/2010/main" val="77085135"/>
       </p:ext>
     </p:extLst>
   </p:cSld>
